--- a/PowerPointProjetFINAL.pptx
+++ b/PowerPointProjetFINAL.pptx
@@ -11277,51 +11277,6 @@
           <a:chExt cx="0" cy="0"/>
         </a:xfrm>
       </p:grpSpPr>
-      <p:pic>
-        <p:nvPicPr>
-          <p:cNvPr id="10" name="Image 9">
-            <a:extLst>
-              <a:ext uri="{FF2B5EF4-FFF2-40B4-BE49-F238E27FC236}">
-                <a16:creationId xmlns:a16="http://schemas.microsoft.com/office/drawing/2014/main" id="{5A0ADD7B-B6FA-47BC-A972-F1A8728A2FBE}"/>
-              </a:ext>
-            </a:extLst>
-          </p:cNvPr>
-          <p:cNvPicPr>
-            <a:picLocks noChangeAspect="1"/>
-          </p:cNvPicPr>
-          <p:nvPr/>
-        </p:nvPicPr>
-        <p:blipFill>
-          <a:blip r:embed="rId2"/>
-          <a:stretch>
-            <a:fillRect/>
-          </a:stretch>
-        </p:blipFill>
-        <p:spPr>
-          <a:xfrm>
-            <a:off x="254036" y="1676398"/>
-            <a:ext cx="2333320" cy="3705225"/>
-          </a:xfrm>
-          <a:prstGeom prst="rect">
-            <a:avLst/>
-          </a:prstGeom>
-          <a:ln w="38100" cap="sq">
-            <a:solidFill>
-              <a:schemeClr val="accent2">
-                <a:lumMod val="75000"/>
-              </a:schemeClr>
-            </a:solidFill>
-            <a:miter lim="800000"/>
-          </a:ln>
-          <a:effectLst>
-            <a:outerShdw blurRad="57150" dist="50800" dir="2700000" algn="tl" rotWithShape="0">
-              <a:srgbClr val="000000">
-                <a:alpha val="40000"/>
-              </a:srgbClr>
-            </a:outerShdw>
-          </a:effectLst>
-        </p:spPr>
-      </p:pic>
       <p:sp>
         <p:nvSpPr>
           <p:cNvPr id="4" name="ZoneTexte 3">
@@ -11544,6 +11499,51 @@
           </a:p>
         </p:txBody>
       </p:sp>
+      <p:pic>
+        <p:nvPicPr>
+          <p:cNvPr id="2" name="Image 1">
+            <a:extLst>
+              <a:ext uri="{FF2B5EF4-FFF2-40B4-BE49-F238E27FC236}">
+                <a16:creationId xmlns:a16="http://schemas.microsoft.com/office/drawing/2014/main" id="{AF781D81-EF9B-48B3-80C7-04519D05CA4E}"/>
+              </a:ext>
+            </a:extLst>
+          </p:cNvPr>
+          <p:cNvPicPr>
+            <a:picLocks noChangeAspect="1"/>
+          </p:cNvPicPr>
+          <p:nvPr/>
+        </p:nvPicPr>
+        <p:blipFill>
+          <a:blip r:embed="rId2"/>
+          <a:stretch>
+            <a:fillRect/>
+          </a:stretch>
+        </p:blipFill>
+        <p:spPr>
+          <a:xfrm>
+            <a:off x="248467" y="1676397"/>
+            <a:ext cx="2338889" cy="3470609"/>
+          </a:xfrm>
+          <a:prstGeom prst="rect">
+            <a:avLst/>
+          </a:prstGeom>
+          <a:ln w="38100" cap="sq">
+            <a:solidFill>
+              <a:schemeClr val="accent2">
+                <a:lumMod val="75000"/>
+              </a:schemeClr>
+            </a:solidFill>
+            <a:miter lim="800000"/>
+          </a:ln>
+          <a:effectLst>
+            <a:outerShdw blurRad="57150" dist="50800" dir="2700000" algn="tl" rotWithShape="0">
+              <a:srgbClr val="000000">
+                <a:alpha val="40000"/>
+              </a:srgbClr>
+            </a:outerShdw>
+          </a:effectLst>
+        </p:spPr>
+      </p:pic>
     </p:spTree>
     <p:extLst>
       <p:ext uri="{BB962C8B-B14F-4D97-AF65-F5344CB8AC3E}">
@@ -11631,7 +11631,7 @@
                                           </p:stCondLst>
                                         </p:cTn>
                                         <p:tgtEl>
-                                          <p:spTgt spid="10"/>
+                                          <p:spTgt spid="2"/>
                                         </p:tgtEl>
                                         <p:attrNameLst>
                                           <p:attrName>style.visibility</p:attrName>
@@ -11645,7 +11645,7 @@
                                       <p:cBhvr>
                                         <p:cTn id="10" dur="500"/>
                                         <p:tgtEl>
-                                          <p:spTgt spid="10"/>
+                                          <p:spTgt spid="2"/>
                                         </p:tgtEl>
                                       </p:cBhvr>
                                     </p:animEffect>
@@ -14178,10 +14178,6 @@
             <a:pPr lvl="1"/>
             <a:endParaRPr lang="fr-FR" dirty="0"/>
           </a:p>
-          <a:p>
-            <a:pPr lvl="1"/>
-            <a:endParaRPr lang="fr-FR" dirty="0"/>
-          </a:p>
         </p:txBody>
       </p:sp>
       <p:sp>
@@ -14254,7 +14250,14 @@
           <a:lstStyle/>
           <a:p>
             <a:r>
-              <a:rPr lang="fr-FR" sz="5000" dirty="0"/>
+              <a:rPr lang="fr-FR" sz="5000" dirty="0">
+                <a:solidFill>
+                  <a:schemeClr val="tx1">
+                    <a:lumMod val="75000"/>
+                    <a:lumOff val="25000"/>
+                  </a:schemeClr>
+                </a:solidFill>
+              </a:rPr>
               <a:t>Merci de votre attention</a:t>
             </a:r>
           </a:p>

--- a/PowerPointProjetFINAL.pptx
+++ b/PowerPointProjetFINAL.pptx
@@ -16351,7 +16351,15 @@
             <a:pPr lvl="1"/>
             <a:r>
               <a:rPr lang="fr-FR" sz="1400" dirty="0"/>
-              <a:t>Application : HTML-CSS / Javascript</a:t>
+              <a:t>Application : HTML-CSS / Javascript (Framework </a:t>
+            </a:r>
+            <a:r>
+              <a:rPr lang="fr-FR" sz="1400" dirty="0" err="1"/>
+              <a:t>Bootflat</a:t>
+            </a:r>
+            <a:r>
+              <a:rPr lang="fr-FR" sz="1400" dirty="0"/>
+              <a:t>)</a:t>
             </a:r>
           </a:p>
           <a:p>

--- a/PowerPointProjetFINAL.pptx
+++ b/PowerPointProjetFINAL.pptx
@@ -19558,21 +19558,6 @@
             </a:r>
             <a:r>
               <a:rPr lang="fr-FR" sz="1500" b="1" dirty="0" err="1"/>
-              <a:t>connexionBDD.php</a:t>
-            </a:r>
-            <a:r>
-              <a:rPr lang="fr-FR" sz="1500" dirty="0"/>
-              <a:t>, il permet la connexion à la base de données.</a:t>
-            </a:r>
-          </a:p>
-          <a:p>
-            <a:pPr lvl="1"/>
-            <a:r>
-              <a:rPr lang="fr-FR" sz="1500" dirty="0"/>
-              <a:t>Fichier </a:t>
-            </a:r>
-            <a:r>
-              <a:rPr lang="fr-FR" sz="1500" b="1" dirty="0" err="1"/>
               <a:t>index.php</a:t>
             </a:r>
             <a:r>
@@ -19584,10 +19569,10 @@
       </p:sp>
       <p:pic>
         <p:nvPicPr>
-          <p:cNvPr id="7" name="Image 6">
+          <p:cNvPr id="3" name="Image 2">
             <a:extLst>
               <a:ext uri="{FF2B5EF4-FFF2-40B4-BE49-F238E27FC236}">
-                <a16:creationId xmlns:a16="http://schemas.microsoft.com/office/drawing/2014/main" id="{3DF91968-2FF5-4D79-A3EB-FF8F98324562}"/>
+                <a16:creationId xmlns:a16="http://schemas.microsoft.com/office/drawing/2014/main" id="{D1100330-8499-43F7-9309-1779628E86AF}"/>
               </a:ext>
             </a:extLst>
           </p:cNvPr>
@@ -19604,8 +19589,8 @@
         </p:blipFill>
         <p:spPr>
           <a:xfrm>
-            <a:off x="238126" y="1688754"/>
-            <a:ext cx="2352944" cy="4554085"/>
+            <a:off x="234413" y="1688754"/>
+            <a:ext cx="2354799" cy="4607215"/>
           </a:xfrm>
           <a:prstGeom prst="rect">
             <a:avLst/>
@@ -19700,21 +19685,34 @@
                                   </p:childTnLst>
                                 </p:cTn>
                               </p:par>
+                            </p:childTnLst>
+                          </p:cTn>
+                        </p:par>
+                        <p:par>
+                          <p:cTn id="8" fill="hold">
+                            <p:stCondLst>
+                              <p:cond delay="500"/>
+                            </p:stCondLst>
+                            <p:childTnLst>
                               <p:par>
-                                <p:cTn id="8" presetID="10" presetClass="entr" presetSubtype="0" fill="hold" nodeType="withEffect">
+                                <p:cTn id="9" presetID="10" presetClass="entr" presetSubtype="0" fill="hold" grpId="0" nodeType="afterEffect">
                                   <p:stCondLst>
                                     <p:cond delay="0"/>
                                   </p:stCondLst>
                                   <p:childTnLst>
                                     <p:set>
                                       <p:cBhvr>
-                                        <p:cTn id="9" dur="1" fill="hold">
+                                        <p:cTn id="10" dur="1" fill="hold">
                                           <p:stCondLst>
                                             <p:cond delay="0"/>
                                           </p:stCondLst>
                                         </p:cTn>
                                         <p:tgtEl>
-                                          <p:spTgt spid="7"/>
+                                          <p:spTgt spid="5">
+                                            <p:txEl>
+                                              <p:pRg st="1" end="1"/>
+                                            </p:txEl>
+                                          </p:spTgt>
                                         </p:tgtEl>
                                         <p:attrNameLst>
                                           <p:attrName>style.visibility</p:attrName>
@@ -19726,9 +19724,13 @@
                                     </p:set>
                                     <p:animEffect transition="in" filter="fade">
                                       <p:cBhvr>
-                                        <p:cTn id="10" dur="500"/>
-                                        <p:tgtEl>
-                                          <p:spTgt spid="7"/>
+                                        <p:cTn id="11" dur="500"/>
+                                        <p:tgtEl>
+                                          <p:spTgt spid="5">
+                                            <p:txEl>
+                                              <p:pRg st="1" end="1"/>
+                                            </p:txEl>
+                                          </p:spTgt>
                                         </p:tgtEl>
                                       </p:cBhvr>
                                     </p:animEffect>
@@ -19739,20 +19741,20 @@
                           </p:cTn>
                         </p:par>
                         <p:par>
-                          <p:cTn id="11" fill="hold">
+                          <p:cTn id="12" fill="hold">
                             <p:stCondLst>
-                              <p:cond delay="500"/>
+                              <p:cond delay="1000"/>
                             </p:stCondLst>
                             <p:childTnLst>
                               <p:par>
-                                <p:cTn id="12" presetID="10" presetClass="entr" presetSubtype="0" fill="hold" grpId="0" nodeType="afterEffect">
+                                <p:cTn id="13" presetID="10" presetClass="entr" presetSubtype="0" fill="hold" grpId="0" nodeType="afterEffect">
                                   <p:stCondLst>
                                     <p:cond delay="0"/>
                                   </p:stCondLst>
                                   <p:childTnLst>
                                     <p:set>
                                       <p:cBhvr>
-                                        <p:cTn id="13" dur="1" fill="hold">
+                                        <p:cTn id="14" dur="1" fill="hold">
                                           <p:stCondLst>
                                             <p:cond delay="0"/>
                                           </p:stCondLst>
@@ -19760,7 +19762,7 @@
                                         <p:tgtEl>
                                           <p:spTgt spid="5">
                                             <p:txEl>
-                                              <p:pRg st="1" end="1"/>
+                                              <p:pRg st="2" end="2"/>
                                             </p:txEl>
                                           </p:spTgt>
                                         </p:tgtEl>
@@ -19774,11 +19776,11 @@
                                     </p:set>
                                     <p:animEffect transition="in" filter="fade">
                                       <p:cBhvr>
-                                        <p:cTn id="14" dur="500"/>
+                                        <p:cTn id="15" dur="500"/>
                                         <p:tgtEl>
                                           <p:spTgt spid="5">
                                             <p:txEl>
-                                              <p:pRg st="1" end="1"/>
+                                              <p:pRg st="2" end="2"/>
                                             </p:txEl>
                                           </p:spTgt>
                                         </p:tgtEl>
@@ -19791,20 +19793,20 @@
                           </p:cTn>
                         </p:par>
                         <p:par>
-                          <p:cTn id="15" fill="hold">
+                          <p:cTn id="16" fill="hold">
                             <p:stCondLst>
-                              <p:cond delay="1000"/>
+                              <p:cond delay="1500"/>
                             </p:stCondLst>
                             <p:childTnLst>
                               <p:par>
-                                <p:cTn id="16" presetID="10" presetClass="entr" presetSubtype="0" fill="hold" grpId="0" nodeType="afterEffect">
+                                <p:cTn id="17" presetID="10" presetClass="entr" presetSubtype="0" fill="hold" grpId="0" nodeType="afterEffect">
                                   <p:stCondLst>
                                     <p:cond delay="0"/>
                                   </p:stCondLst>
                                   <p:childTnLst>
                                     <p:set>
                                       <p:cBhvr>
-                                        <p:cTn id="17" dur="1" fill="hold">
+                                        <p:cTn id="18" dur="1" fill="hold">
                                           <p:stCondLst>
                                             <p:cond delay="0"/>
                                           </p:stCondLst>
@@ -19812,7 +19814,7 @@
                                         <p:tgtEl>
                                           <p:spTgt spid="5">
                                             <p:txEl>
-                                              <p:pRg st="2" end="2"/>
+                                              <p:pRg st="3" end="3"/>
                                             </p:txEl>
                                           </p:spTgt>
                                         </p:tgtEl>
@@ -19826,11 +19828,11 @@
                                     </p:set>
                                     <p:animEffect transition="in" filter="fade">
                                       <p:cBhvr>
-                                        <p:cTn id="18" dur="500"/>
+                                        <p:cTn id="19" dur="500"/>
                                         <p:tgtEl>
                                           <p:spTgt spid="5">
                                             <p:txEl>
-                                              <p:pRg st="2" end="2"/>
+                                              <p:pRg st="3" end="3"/>
                                             </p:txEl>
                                           </p:spTgt>
                                         </p:tgtEl>
@@ -19839,17 +19841,8 @@
                                   </p:childTnLst>
                                 </p:cTn>
                               </p:par>
-                            </p:childTnLst>
-                          </p:cTn>
-                        </p:par>
-                        <p:par>
-                          <p:cTn id="19" fill="hold">
-                            <p:stCondLst>
-                              <p:cond delay="1500"/>
-                            </p:stCondLst>
-                            <p:childTnLst>
                               <p:par>
-                                <p:cTn id="20" presetID="10" presetClass="entr" presetSubtype="0" fill="hold" grpId="0" nodeType="afterEffect">
+                                <p:cTn id="20" presetID="10" presetClass="entr" presetSubtype="0" fill="hold" grpId="0" nodeType="withEffect">
                                   <p:stCondLst>
                                     <p:cond delay="0"/>
                                   </p:stCondLst>
@@ -19864,7 +19857,7 @@
                                         <p:tgtEl>
                                           <p:spTgt spid="5">
                                             <p:txEl>
-                                              <p:pRg st="3" end="3"/>
+                                              <p:pRg st="4" end="4"/>
                                             </p:txEl>
                                           </p:spTgt>
                                         </p:tgtEl>
@@ -19882,93 +19875,7 @@
                                         <p:tgtEl>
                                           <p:spTgt spid="5">
                                             <p:txEl>
-                                              <p:pRg st="3" end="3"/>
-                                            </p:txEl>
-                                          </p:spTgt>
-                                        </p:tgtEl>
-                                      </p:cBhvr>
-                                    </p:animEffect>
-                                  </p:childTnLst>
-                                </p:cTn>
-                              </p:par>
-                              <p:par>
-                                <p:cTn id="23" presetID="10" presetClass="entr" presetSubtype="0" fill="hold" grpId="0" nodeType="withEffect">
-                                  <p:stCondLst>
-                                    <p:cond delay="0"/>
-                                  </p:stCondLst>
-                                  <p:childTnLst>
-                                    <p:set>
-                                      <p:cBhvr>
-                                        <p:cTn id="24" dur="1" fill="hold">
-                                          <p:stCondLst>
-                                            <p:cond delay="0"/>
-                                          </p:stCondLst>
-                                        </p:cTn>
-                                        <p:tgtEl>
-                                          <p:spTgt spid="5">
-                                            <p:txEl>
                                               <p:pRg st="4" end="4"/>
-                                            </p:txEl>
-                                          </p:spTgt>
-                                        </p:tgtEl>
-                                        <p:attrNameLst>
-                                          <p:attrName>style.visibility</p:attrName>
-                                        </p:attrNameLst>
-                                      </p:cBhvr>
-                                      <p:to>
-                                        <p:strVal val="visible"/>
-                                      </p:to>
-                                    </p:set>
-                                    <p:animEffect transition="in" filter="fade">
-                                      <p:cBhvr>
-                                        <p:cTn id="25" dur="500"/>
-                                        <p:tgtEl>
-                                          <p:spTgt spid="5">
-                                            <p:txEl>
-                                              <p:pRg st="4" end="4"/>
-                                            </p:txEl>
-                                          </p:spTgt>
-                                        </p:tgtEl>
-                                      </p:cBhvr>
-                                    </p:animEffect>
-                                  </p:childTnLst>
-                                </p:cTn>
-                              </p:par>
-                              <p:par>
-                                <p:cTn id="26" presetID="10" presetClass="entr" presetSubtype="0" fill="hold" grpId="0" nodeType="withEffect">
-                                  <p:stCondLst>
-                                    <p:cond delay="0"/>
-                                  </p:stCondLst>
-                                  <p:childTnLst>
-                                    <p:set>
-                                      <p:cBhvr>
-                                        <p:cTn id="27" dur="1" fill="hold">
-                                          <p:stCondLst>
-                                            <p:cond delay="0"/>
-                                          </p:stCondLst>
-                                        </p:cTn>
-                                        <p:tgtEl>
-                                          <p:spTgt spid="5">
-                                            <p:txEl>
-                                              <p:pRg st="5" end="5"/>
-                                            </p:txEl>
-                                          </p:spTgt>
-                                        </p:tgtEl>
-                                        <p:attrNameLst>
-                                          <p:attrName>style.visibility</p:attrName>
-                                        </p:attrNameLst>
-                                      </p:cBhvr>
-                                      <p:to>
-                                        <p:strVal val="visible"/>
-                                      </p:to>
-                                    </p:set>
-                                    <p:animEffect transition="in" filter="fade">
-                                      <p:cBhvr>
-                                        <p:cTn id="28" dur="500"/>
-                                        <p:tgtEl>
-                                          <p:spTgt spid="5">
-                                            <p:txEl>
-                                              <p:pRg st="5" end="5"/>
                                             </p:txEl>
                                           </p:spTgt>
                                         </p:tgtEl>

--- a/PowerPointProjetFINAL.pptx
+++ b/PowerPointProjetFINAL.pptx
@@ -320,7 +320,7 @@
           <a:p>
             <a:fld id="{BD94C69A-B0DF-458B-A12F-BAA670642AC4}" type="datetimeFigureOut">
               <a:rPr lang="fr-FR" smtClean="0"/>
-              <a:t>19/12/2019</a:t>
+              <a:t>20/12/2019</a:t>
             </a:fld>
             <a:endParaRPr lang="fr-FR"/>
           </a:p>
@@ -658,7 +658,7 @@
           <a:p>
             <a:fld id="{BD94C69A-B0DF-458B-A12F-BAA670642AC4}" type="datetimeFigureOut">
               <a:rPr lang="fr-FR" smtClean="0"/>
-              <a:t>19/12/2019</a:t>
+              <a:t>20/12/2019</a:t>
             </a:fld>
             <a:endParaRPr lang="fr-FR"/>
           </a:p>
@@ -1059,7 +1059,7 @@
           <a:p>
             <a:fld id="{BD94C69A-B0DF-458B-A12F-BAA670642AC4}" type="datetimeFigureOut">
               <a:rPr lang="fr-FR" smtClean="0"/>
-              <a:t>19/12/2019</a:t>
+              <a:t>20/12/2019</a:t>
             </a:fld>
             <a:endParaRPr lang="fr-FR"/>
           </a:p>
@@ -1395,7 +1395,7 @@
           <a:p>
             <a:fld id="{BD94C69A-B0DF-458B-A12F-BAA670642AC4}" type="datetimeFigureOut">
               <a:rPr lang="fr-FR" smtClean="0"/>
-              <a:t>19/12/2019</a:t>
+              <a:t>20/12/2019</a:t>
             </a:fld>
             <a:endParaRPr lang="fr-FR"/>
           </a:p>
@@ -1715,7 +1715,7 @@
           <a:p>
             <a:fld id="{BD94C69A-B0DF-458B-A12F-BAA670642AC4}" type="datetimeFigureOut">
               <a:rPr lang="fr-FR" smtClean="0"/>
-              <a:t>19/12/2019</a:t>
+              <a:t>20/12/2019</a:t>
             </a:fld>
             <a:endParaRPr lang="fr-FR"/>
           </a:p>
@@ -2111,7 +2111,7 @@
           <a:p>
             <a:fld id="{BD94C69A-B0DF-458B-A12F-BAA670642AC4}" type="datetimeFigureOut">
               <a:rPr lang="fr-FR" smtClean="0"/>
-              <a:t>19/12/2019</a:t>
+              <a:t>20/12/2019</a:t>
             </a:fld>
             <a:endParaRPr lang="fr-FR"/>
           </a:p>
@@ -2368,7 +2368,7 @@
           <a:p>
             <a:fld id="{BD94C69A-B0DF-458B-A12F-BAA670642AC4}" type="datetimeFigureOut">
               <a:rPr lang="fr-FR" smtClean="0"/>
-              <a:t>19/12/2019</a:t>
+              <a:t>20/12/2019</a:t>
             </a:fld>
             <a:endParaRPr lang="fr-FR"/>
           </a:p>
@@ -2630,7 +2630,7 @@
           <a:p>
             <a:fld id="{BD94C69A-B0DF-458B-A12F-BAA670642AC4}" type="datetimeFigureOut">
               <a:rPr lang="fr-FR" smtClean="0"/>
-              <a:t>19/12/2019</a:t>
+              <a:t>20/12/2019</a:t>
             </a:fld>
             <a:endParaRPr lang="fr-FR"/>
           </a:p>
@@ -2892,7 +2892,7 @@
           <a:p>
             <a:fld id="{BD94C69A-B0DF-458B-A12F-BAA670642AC4}" type="datetimeFigureOut">
               <a:rPr lang="fr-FR" smtClean="0"/>
-              <a:t>19/12/2019</a:t>
+              <a:t>20/12/2019</a:t>
             </a:fld>
             <a:endParaRPr lang="fr-FR"/>
           </a:p>
@@ -3221,7 +3221,7 @@
           <a:p>
             <a:fld id="{BD94C69A-B0DF-458B-A12F-BAA670642AC4}" type="datetimeFigureOut">
               <a:rPr lang="fr-FR" smtClean="0"/>
-              <a:t>19/12/2019</a:t>
+              <a:t>20/12/2019</a:t>
             </a:fld>
             <a:endParaRPr lang="fr-FR"/>
           </a:p>
@@ -3544,7 +3544,7 @@
           <a:p>
             <a:fld id="{BD94C69A-B0DF-458B-A12F-BAA670642AC4}" type="datetimeFigureOut">
               <a:rPr lang="fr-FR" smtClean="0"/>
-              <a:t>19/12/2019</a:t>
+              <a:t>20/12/2019</a:t>
             </a:fld>
             <a:endParaRPr lang="fr-FR"/>
           </a:p>
@@ -4001,7 +4001,7 @@
           <a:p>
             <a:fld id="{BD94C69A-B0DF-458B-A12F-BAA670642AC4}" type="datetimeFigureOut">
               <a:rPr lang="fr-FR" smtClean="0"/>
-              <a:t>19/12/2019</a:t>
+              <a:t>20/12/2019</a:t>
             </a:fld>
             <a:endParaRPr lang="fr-FR"/>
           </a:p>
@@ -4206,7 +4206,7 @@
           <a:p>
             <a:fld id="{BD94C69A-B0DF-458B-A12F-BAA670642AC4}" type="datetimeFigureOut">
               <a:rPr lang="fr-FR" smtClean="0"/>
-              <a:t>19/12/2019</a:t>
+              <a:t>20/12/2019</a:t>
             </a:fld>
             <a:endParaRPr lang="fr-FR"/>
           </a:p>
@@ -4383,7 +4383,7 @@
           <a:p>
             <a:fld id="{BD94C69A-B0DF-458B-A12F-BAA670642AC4}" type="datetimeFigureOut">
               <a:rPr lang="fr-FR" smtClean="0"/>
-              <a:t>19/12/2019</a:t>
+              <a:t>20/12/2019</a:t>
             </a:fld>
             <a:endParaRPr lang="fr-FR"/>
           </a:p>
@@ -4716,7 +4716,7 @@
           <a:p>
             <a:fld id="{BD94C69A-B0DF-458B-A12F-BAA670642AC4}" type="datetimeFigureOut">
               <a:rPr lang="fr-FR" smtClean="0"/>
-              <a:t>19/12/2019</a:t>
+              <a:t>20/12/2019</a:t>
             </a:fld>
             <a:endParaRPr lang="fr-FR"/>
           </a:p>
@@ -5061,7 +5061,7 @@
           <a:p>
             <a:fld id="{BD94C69A-B0DF-458B-A12F-BAA670642AC4}" type="datetimeFigureOut">
               <a:rPr lang="fr-FR" smtClean="0"/>
-              <a:t>19/12/2019</a:t>
+              <a:t>20/12/2019</a:t>
             </a:fld>
             <a:endParaRPr lang="fr-FR"/>
           </a:p>
@@ -7178,7 +7178,7 @@
           <a:p>
             <a:fld id="{BD94C69A-B0DF-458B-A12F-BAA670642AC4}" type="datetimeFigureOut">
               <a:rPr lang="fr-FR" smtClean="0"/>
-              <a:t>19/12/2019</a:t>
+              <a:t>20/12/2019</a:t>
             </a:fld>
             <a:endParaRPr lang="fr-FR"/>
           </a:p>
@@ -7814,6 +7814,47 @@
           </a:p>
         </p:txBody>
       </p:sp>
+      <p:sp>
+        <p:nvSpPr>
+          <p:cNvPr id="3" name="ZoneTexte 2">
+            <a:extLst>
+              <a:ext uri="{FF2B5EF4-FFF2-40B4-BE49-F238E27FC236}">
+                <a16:creationId xmlns:a16="http://schemas.microsoft.com/office/drawing/2014/main" id="{6F8A52BD-A307-4F1D-93F4-069385784AD5}"/>
+              </a:ext>
+            </a:extLst>
+          </p:cNvPr>
+          <p:cNvSpPr txBox="1"/>
+          <p:nvPr/>
+        </p:nvSpPr>
+        <p:spPr>
+          <a:xfrm>
+            <a:off x="11879094" y="6488668"/>
+            <a:ext cx="312906" cy="369332"/>
+          </a:xfrm>
+          <a:prstGeom prst="rect">
+            <a:avLst/>
+          </a:prstGeom>
+          <a:noFill/>
+        </p:spPr>
+        <p:txBody>
+          <a:bodyPr wrap="none" rtlCol="0">
+            <a:spAutoFit/>
+          </a:bodyPr>
+          <a:lstStyle/>
+          <a:p>
+            <a:r>
+              <a:rPr lang="fr-FR" dirty="0">
+                <a:solidFill>
+                  <a:schemeClr val="accent2">
+                    <a:lumMod val="75000"/>
+                  </a:schemeClr>
+                </a:solidFill>
+              </a:rPr>
+              <a:t>9</a:t>
+            </a:r>
+          </a:p>
+        </p:txBody>
+      </p:sp>
     </p:spTree>
     <p:extLst>
       <p:ext uri="{BB962C8B-B14F-4D97-AF65-F5344CB8AC3E}">
@@ -7886,8 +7927,8 @@
         </p:nvSpPr>
         <p:spPr>
           <a:xfrm>
-            <a:off x="11879094" y="6488668"/>
-            <a:ext cx="312906" cy="369332"/>
+            <a:off x="11750854" y="6488668"/>
+            <a:ext cx="441146" cy="369332"/>
           </a:xfrm>
           <a:prstGeom prst="rect">
             <a:avLst/>
@@ -7908,7 +7949,7 @@
                   </a:schemeClr>
                 </a:solidFill>
               </a:rPr>
-              <a:t>8</a:t>
+              <a:t>10</a:t>
             </a:r>
           </a:p>
         </p:txBody>
@@ -8512,8 +8553,8 @@
         </p:nvSpPr>
         <p:spPr>
           <a:xfrm>
-            <a:off x="11879094" y="6488668"/>
-            <a:ext cx="312906" cy="369332"/>
+            <a:off x="11750854" y="6488668"/>
+            <a:ext cx="441146" cy="369332"/>
           </a:xfrm>
           <a:prstGeom prst="rect">
             <a:avLst/>
@@ -8534,7 +8575,7 @@
                   </a:schemeClr>
                 </a:solidFill>
               </a:rPr>
-              <a:t>9</a:t>
+              <a:t>11</a:t>
             </a:r>
           </a:p>
         </p:txBody>
@@ -9278,7 +9319,7 @@
                   </a:schemeClr>
                 </a:solidFill>
               </a:rPr>
-              <a:t>10</a:t>
+              <a:t>12</a:t>
             </a:r>
           </a:p>
         </p:txBody>
@@ -9865,7 +9906,7 @@
                   </a:schemeClr>
                 </a:solidFill>
               </a:rPr>
-              <a:t>11</a:t>
+              <a:t>13</a:t>
             </a:r>
           </a:p>
         </p:txBody>
@@ -10346,7 +10387,7 @@
                   </a:schemeClr>
                 </a:solidFill>
               </a:rPr>
-              <a:t>12</a:t>
+              <a:t>14</a:t>
             </a:r>
           </a:p>
         </p:txBody>
@@ -10803,7 +10844,7 @@
                   </a:schemeClr>
                 </a:solidFill>
               </a:rPr>
-              <a:t>13</a:t>
+              <a:t>15</a:t>
             </a:r>
           </a:p>
         </p:txBody>
@@ -11313,7 +11354,7 @@
                   </a:schemeClr>
                 </a:solidFill>
               </a:rPr>
-              <a:t>14</a:t>
+              <a:t>16</a:t>
             </a:r>
           </a:p>
         </p:txBody>
@@ -12103,7 +12144,7 @@
                   </a:schemeClr>
                 </a:solidFill>
               </a:rPr>
-              <a:t>16</a:t>
+              <a:t>17</a:t>
             </a:r>
           </a:p>
         </p:txBody>
@@ -12807,7 +12848,7 @@
                   </a:schemeClr>
                 </a:solidFill>
               </a:rPr>
-              <a:t>15</a:t>
+              <a:t>18</a:t>
             </a:r>
           </a:p>
         </p:txBody>
@@ -14014,7 +14055,7 @@
                   </a:schemeClr>
                 </a:solidFill>
               </a:rPr>
-              <a:t>17</a:t>
+              <a:t>19</a:t>
             </a:r>
           </a:p>
         </p:txBody>
@@ -14216,7 +14257,7 @@
                   </a:schemeClr>
                 </a:solidFill>
               </a:rPr>
-              <a:t>19</a:t>
+              <a:t>20</a:t>
             </a:r>
           </a:p>
         </p:txBody>
@@ -17192,7 +17233,7 @@
                   </a:schemeClr>
                 </a:solidFill>
               </a:rPr>
-              <a:t>7</a:t>
+              <a:t>5</a:t>
             </a:r>
           </a:p>
         </p:txBody>
@@ -17780,7 +17821,7 @@
                   </a:schemeClr>
                 </a:solidFill>
               </a:rPr>
-              <a:t>7</a:t>
+              <a:t>6</a:t>
             </a:r>
           </a:p>
         </p:txBody>
@@ -19459,7 +19500,7 @@
                   </a:schemeClr>
                 </a:solidFill>
               </a:rPr>
-              <a:t>7</a:t>
+              <a:t>8</a:t>
             </a:r>
           </a:p>
         </p:txBody>
